--- a/output/Group5_poster_draft1.pptx
+++ b/output/Group5_poster_draft1.pptx
@@ -243,7 +243,7 @@
           <a:p>
             <a:fld id="{36687914-B9D4-42E7-80DF-1BB93FCE533B}" type="datetimeFigureOut">
               <a:rPr lang="en-US" smtClean="0"/>
-              <a:t>3/15/2020</a:t>
+              <a:t>3/16/2020</a:t>
             </a:fld>
             <a:endParaRPr lang="en-US"/>
           </a:p>
@@ -413,7 +413,7 @@
           <a:p>
             <a:fld id="{36687914-B9D4-42E7-80DF-1BB93FCE533B}" type="datetimeFigureOut">
               <a:rPr lang="en-US" smtClean="0"/>
-              <a:t>3/15/2020</a:t>
+              <a:t>3/16/2020</a:t>
             </a:fld>
             <a:endParaRPr lang="en-US"/>
           </a:p>
@@ -593,7 +593,7 @@
           <a:p>
             <a:fld id="{36687914-B9D4-42E7-80DF-1BB93FCE533B}" type="datetimeFigureOut">
               <a:rPr lang="en-US" smtClean="0"/>
-              <a:t>3/15/2020</a:t>
+              <a:t>3/16/2020</a:t>
             </a:fld>
             <a:endParaRPr lang="en-US"/>
           </a:p>
@@ -763,7 +763,7 @@
           <a:p>
             <a:fld id="{36687914-B9D4-42E7-80DF-1BB93FCE533B}" type="datetimeFigureOut">
               <a:rPr lang="en-US" smtClean="0"/>
-              <a:t>3/15/2020</a:t>
+              <a:t>3/16/2020</a:t>
             </a:fld>
             <a:endParaRPr lang="en-US"/>
           </a:p>
@@ -1007,7 +1007,7 @@
           <a:p>
             <a:fld id="{36687914-B9D4-42E7-80DF-1BB93FCE533B}" type="datetimeFigureOut">
               <a:rPr lang="en-US" smtClean="0"/>
-              <a:t>3/15/2020</a:t>
+              <a:t>3/16/2020</a:t>
             </a:fld>
             <a:endParaRPr lang="en-US"/>
           </a:p>
@@ -1239,7 +1239,7 @@
           <a:p>
             <a:fld id="{36687914-B9D4-42E7-80DF-1BB93FCE533B}" type="datetimeFigureOut">
               <a:rPr lang="en-US" smtClean="0"/>
-              <a:t>3/15/2020</a:t>
+              <a:t>3/16/2020</a:t>
             </a:fld>
             <a:endParaRPr lang="en-US"/>
           </a:p>
@@ -1606,7 +1606,7 @@
           <a:p>
             <a:fld id="{36687914-B9D4-42E7-80DF-1BB93FCE533B}" type="datetimeFigureOut">
               <a:rPr lang="en-US" smtClean="0"/>
-              <a:t>3/15/2020</a:t>
+              <a:t>3/16/2020</a:t>
             </a:fld>
             <a:endParaRPr lang="en-US"/>
           </a:p>
@@ -1724,7 +1724,7 @@
           <a:p>
             <a:fld id="{36687914-B9D4-42E7-80DF-1BB93FCE533B}" type="datetimeFigureOut">
               <a:rPr lang="en-US" smtClean="0"/>
-              <a:t>3/15/2020</a:t>
+              <a:t>3/16/2020</a:t>
             </a:fld>
             <a:endParaRPr lang="en-US"/>
           </a:p>
@@ -1819,7 +1819,7 @@
           <a:p>
             <a:fld id="{36687914-B9D4-42E7-80DF-1BB93FCE533B}" type="datetimeFigureOut">
               <a:rPr lang="en-US" smtClean="0"/>
-              <a:t>3/15/2020</a:t>
+              <a:t>3/16/2020</a:t>
             </a:fld>
             <a:endParaRPr lang="en-US"/>
           </a:p>
@@ -2096,7 +2096,7 @@
           <a:p>
             <a:fld id="{36687914-B9D4-42E7-80DF-1BB93FCE533B}" type="datetimeFigureOut">
               <a:rPr lang="en-US" smtClean="0"/>
-              <a:t>3/15/2020</a:t>
+              <a:t>3/16/2020</a:t>
             </a:fld>
             <a:endParaRPr lang="en-US"/>
           </a:p>
@@ -2353,7 +2353,7 @@
           <a:p>
             <a:fld id="{36687914-B9D4-42E7-80DF-1BB93FCE533B}" type="datetimeFigureOut">
               <a:rPr lang="en-US" smtClean="0"/>
-              <a:t>3/15/2020</a:t>
+              <a:t>3/16/2020</a:t>
             </a:fld>
             <a:endParaRPr lang="en-US"/>
           </a:p>
@@ -2566,7 +2566,7 @@
           <a:p>
             <a:fld id="{36687914-B9D4-42E7-80DF-1BB93FCE533B}" type="datetimeFigureOut">
               <a:rPr lang="en-US" smtClean="0"/>
-              <a:t>3/15/2020</a:t>
+              <a:t>3/16/2020</a:t>
             </a:fld>
             <a:endParaRPr lang="en-US"/>
           </a:p>
@@ -2999,8 +2999,8 @@
         </p:nvSpPr>
         <p:spPr>
           <a:xfrm>
-            <a:off x="9858375" y="4181574"/>
-            <a:ext cx="13201650" cy="11477526"/>
+            <a:off x="9858375" y="7153373"/>
+            <a:ext cx="13201650" cy="11974611"/>
           </a:xfrm>
           <a:prstGeom prst="rect">
             <a:avLst/>
@@ -3108,7 +3108,7 @@
         <p:spPr>
           <a:xfrm>
             <a:off x="257176" y="3498850"/>
-            <a:ext cx="8915399" cy="7016750"/>
+            <a:ext cx="8915399" cy="5930525"/>
           </a:xfrm>
           <a:prstGeom prst="rect">
             <a:avLst/>
@@ -3215,8 +3215,8 @@
         </p:nvSpPr>
         <p:spPr>
           <a:xfrm>
-            <a:off x="257175" y="10691395"/>
-            <a:ext cx="8915399" cy="10447539"/>
+            <a:off x="257175" y="9761439"/>
+            <a:ext cx="8915399" cy="11974612"/>
           </a:xfrm>
           <a:prstGeom prst="rect">
             <a:avLst/>
@@ -3344,7 +3344,7 @@
           <p:spPr>
             <a:xfrm>
               <a:off x="23797896" y="19812001"/>
-              <a:ext cx="8863328" cy="1661993"/>
+              <a:ext cx="8863328" cy="1754326"/>
             </a:xfrm>
             <a:prstGeom prst="rect">
               <a:avLst/>
@@ -3358,138 +3358,138 @@
             <a:lstStyle/>
             <a:p>
               <a:r>
-                <a:rPr lang="en-US" sz="3600" dirty="0"/>
+                <a:rPr lang="en-US" sz="3200" dirty="0"/>
                 <a:t>Sources</a:t>
               </a:r>
             </a:p>
             <a:p>
               <a:r>
-                <a:rPr lang="en-US" sz="1600" dirty="0">
+                <a:rPr lang="en-US" dirty="0">
                   <a:latin typeface="Arial" panose="020B0604020202020204" pitchFamily="34" charset="0"/>
                   <a:cs typeface="Arial" panose="020B0604020202020204" pitchFamily="34" charset="0"/>
                 </a:rPr>
                 <a:t>1. </a:t>
               </a:r>
               <a:r>
-                <a:rPr lang="da-DK" sz="1600" dirty="0">
+                <a:rPr lang="da-DK" dirty="0">
                   <a:latin typeface="Arial" panose="020B0604020202020204" pitchFamily="34" charset="0"/>
                   <a:cs typeface="Arial" panose="020B0604020202020204" pitchFamily="34" charset="0"/>
                 </a:rPr>
                 <a:t>Krumhansl et al. (2016) </a:t>
               </a:r>
               <a:r>
-                <a:rPr lang="da-DK" sz="1600" i="1" dirty="0">
+                <a:rPr lang="da-DK" i="1" dirty="0">
                   <a:latin typeface="Arial" panose="020B0604020202020204" pitchFamily="34" charset="0"/>
                   <a:cs typeface="Arial" panose="020B0604020202020204" pitchFamily="34" charset="0"/>
                 </a:rPr>
                 <a:t>Proceedings of the National Academy of Sciences.</a:t>
               </a:r>
               <a:r>
-                <a:rPr lang="da-DK" sz="1600" b="1" dirty="0">
+                <a:rPr lang="da-DK" b="1" dirty="0">
                   <a:latin typeface="Arial" panose="020B0604020202020204" pitchFamily="34" charset="0"/>
                   <a:cs typeface="Arial" panose="020B0604020202020204" pitchFamily="34" charset="0"/>
                 </a:rPr>
                 <a:t> </a:t>
               </a:r>
               <a:r>
-                <a:rPr lang="da-DK" sz="1600" dirty="0">
+                <a:rPr lang="da-DK" dirty="0">
                   <a:latin typeface="Arial" panose="020B0604020202020204" pitchFamily="34" charset="0"/>
                   <a:cs typeface="Arial" panose="020B0604020202020204" pitchFamily="34" charset="0"/>
                 </a:rPr>
                 <a:t>2. Reed et al. (2014) </a:t>
               </a:r>
               <a:r>
-                <a:rPr lang="da-DK" sz="1600" i="1" dirty="0">
+                <a:rPr lang="da-DK" i="1" dirty="0">
                   <a:latin typeface="Arial" panose="020B0604020202020204" pitchFamily="34" charset="0"/>
                   <a:cs typeface="Arial" panose="020B0604020202020204" pitchFamily="34" charset="0"/>
                 </a:rPr>
                 <a:t>Marine &amp; Freshwater Research. </a:t>
               </a:r>
               <a:r>
-                <a:rPr lang="da-DK" sz="1600" dirty="0">
+                <a:rPr lang="da-DK" dirty="0">
                   <a:latin typeface="Arial" panose="020B0604020202020204" pitchFamily="34" charset="0"/>
                   <a:cs typeface="Arial" panose="020B0604020202020204" pitchFamily="34" charset="0"/>
                 </a:rPr>
                 <a:t>3. </a:t>
               </a:r>
               <a:r>
-                <a:rPr lang="en-US" sz="1600" dirty="0">
+                <a:rPr lang="en-US" dirty="0">
                   <a:latin typeface="Arial" panose="020B0604020202020204" pitchFamily="34" charset="0"/>
                   <a:cs typeface="Arial" panose="020B0604020202020204" pitchFamily="34" charset="0"/>
                 </a:rPr>
                 <a:t>Santa Barbara Coastal LTER &amp; D Reed (2020) Environmental Data Initiative. https://sbclter.msi.ucsb.edu/data/catalog. 4. </a:t>
               </a:r>
               <a:r>
-                <a:rPr lang="da-DK" sz="1600" dirty="0">
+                <a:rPr lang="da-DK" dirty="0">
                   <a:latin typeface="Arial" panose="020B0604020202020204" pitchFamily="34" charset="0"/>
                   <a:cs typeface="Arial" panose="020B0604020202020204" pitchFamily="34" charset="0"/>
                 </a:rPr>
                 <a:t>JE Hobbie (2003) </a:t>
               </a:r>
               <a:r>
-                <a:rPr lang="da-DK" sz="1600" i="1" dirty="0">
+                <a:rPr lang="da-DK" i="1" dirty="0">
                   <a:latin typeface="Arial" panose="020B0604020202020204" pitchFamily="34" charset="0"/>
                   <a:cs typeface="Arial" panose="020B0604020202020204" pitchFamily="34" charset="0"/>
                 </a:rPr>
                 <a:t>BioScience.</a:t>
               </a:r>
               <a:r>
-                <a:rPr lang="da-DK" sz="1600" dirty="0">
+                <a:rPr lang="da-DK" dirty="0">
                   <a:latin typeface="Arial" panose="020B0604020202020204" pitchFamily="34" charset="0"/>
                   <a:cs typeface="Arial" panose="020B0604020202020204" pitchFamily="34" charset="0"/>
                 </a:rPr>
                 <a:t> 5</a:t>
               </a:r>
               <a:r>
-                <a:rPr lang="da-DK" sz="1600" i="1" dirty="0">
+                <a:rPr lang="da-DK" i="1" dirty="0">
                   <a:latin typeface="Arial" panose="020B0604020202020204" pitchFamily="34" charset="0"/>
                   <a:cs typeface="Arial" panose="020B0604020202020204" pitchFamily="34" charset="0"/>
                 </a:rPr>
                 <a:t>. </a:t>
               </a:r>
               <a:r>
-                <a:rPr lang="en-US" sz="1600" dirty="0" err="1">
+                <a:rPr lang="en-US" dirty="0" err="1">
                   <a:latin typeface="Arial" panose="020B0604020202020204" pitchFamily="34" charset="0"/>
                   <a:cs typeface="Arial" panose="020B0604020202020204" pitchFamily="34" charset="0"/>
                 </a:rPr>
                 <a:t>Szpak</a:t>
               </a:r>
               <a:r>
-                <a:rPr lang="en-US" sz="1600" dirty="0">
+                <a:rPr lang="en-US" dirty="0">
                   <a:latin typeface="Arial" panose="020B0604020202020204" pitchFamily="34" charset="0"/>
                   <a:cs typeface="Arial" panose="020B0604020202020204" pitchFamily="34" charset="0"/>
                 </a:rPr>
                 <a:t> et al. (2013) </a:t>
               </a:r>
               <a:r>
-                <a:rPr lang="en-US" sz="1600" i="1" dirty="0" err="1">
+                <a:rPr lang="en-US" i="1" dirty="0" err="1">
                   <a:latin typeface="Arial" panose="020B0604020202020204" pitchFamily="34" charset="0"/>
                   <a:cs typeface="Arial" panose="020B0604020202020204" pitchFamily="34" charset="0"/>
                 </a:rPr>
                 <a:t>Archaeol</a:t>
               </a:r>
               <a:r>
-                <a:rPr lang="en-US" sz="1600" i="1" dirty="0">
+                <a:rPr lang="en-US" i="1" dirty="0">
                   <a:latin typeface="Arial" panose="020B0604020202020204" pitchFamily="34" charset="0"/>
                   <a:cs typeface="Arial" panose="020B0604020202020204" pitchFamily="34" charset="0"/>
                 </a:rPr>
                 <a:t> </a:t>
               </a:r>
               <a:r>
-                <a:rPr lang="en-US" sz="1600" i="1" dirty="0" err="1">
+                <a:rPr lang="en-US" i="1" dirty="0" err="1">
                   <a:latin typeface="Arial" panose="020B0604020202020204" pitchFamily="34" charset="0"/>
                   <a:cs typeface="Arial" panose="020B0604020202020204" pitchFamily="34" charset="0"/>
                 </a:rPr>
                 <a:t>Anthropol</a:t>
               </a:r>
               <a:r>
-                <a:rPr lang="en-US" sz="1600" i="1" dirty="0">
+                <a:rPr lang="en-US" i="1" dirty="0">
                   <a:latin typeface="Arial" panose="020B0604020202020204" pitchFamily="34" charset="0"/>
                   <a:cs typeface="Arial" panose="020B0604020202020204" pitchFamily="34" charset="0"/>
                 </a:rPr>
                 <a:t> Sci.</a:t>
               </a:r>
-              <a:endParaRPr lang="en-US" sz="1600" dirty="0">
+              <a:endParaRPr lang="en-US" dirty="0">
                 <a:latin typeface="Arial" panose="020B0604020202020204" pitchFamily="34" charset="0"/>
                 <a:cs typeface="Arial" panose="020B0604020202020204" pitchFamily="34" charset="0"/>
               </a:endParaRPr>
@@ -3511,8 +3511,8 @@
         </p:nvSpPr>
         <p:spPr>
           <a:xfrm>
-            <a:off x="3620294" y="361950"/>
-            <a:ext cx="25677813" cy="954107"/>
+            <a:off x="335439" y="361950"/>
+            <a:ext cx="32133045" cy="1169551"/>
           </a:xfrm>
           <a:prstGeom prst="rect">
             <a:avLst/>
@@ -3526,7 +3526,7 @@
           <a:lstStyle/>
           <a:p>
             <a:r>
-              <a:rPr lang="en-US" sz="5600" dirty="0">
+              <a:rPr lang="en-US" sz="7000" dirty="0">
                 <a:latin typeface="Arial" panose="020B0604020202020204" pitchFamily="34" charset="0"/>
                 <a:cs typeface="Arial" panose="020B0604020202020204" pitchFamily="34" charset="0"/>
               </a:rPr>
@@ -3549,8 +3549,8 @@
         </p:nvSpPr>
         <p:spPr>
           <a:xfrm>
-            <a:off x="13094163" y="1369994"/>
-            <a:ext cx="6730074" cy="523220"/>
+            <a:off x="12126618" y="1513175"/>
+            <a:ext cx="8665165" cy="646331"/>
           </a:xfrm>
           <a:prstGeom prst="rect">
             <a:avLst/>
@@ -3564,48 +3564,48 @@
           <a:lstStyle/>
           <a:p>
             <a:r>
-              <a:rPr lang="en-US" sz="2800" dirty="0">
+              <a:rPr lang="en-US" sz="3600" dirty="0">
                 <a:latin typeface="Arial" panose="020B0604020202020204" pitchFamily="34" charset="0"/>
                 <a:cs typeface="Arial" panose="020B0604020202020204" pitchFamily="34" charset="0"/>
               </a:rPr>
               <a:t>Mary C Fisher</a:t>
             </a:r>
             <a:r>
-              <a:rPr lang="en-US" sz="2800" baseline="30000" dirty="0">
+              <a:rPr lang="en-US" sz="3600" baseline="30000" dirty="0">
                 <a:latin typeface="Arial" panose="020B0604020202020204" pitchFamily="34" charset="0"/>
                 <a:cs typeface="Arial" panose="020B0604020202020204" pitchFamily="34" charset="0"/>
               </a:rPr>
               <a:t>1</a:t>
             </a:r>
             <a:r>
-              <a:rPr lang="en-US" sz="2800" dirty="0">
+              <a:rPr lang="en-US" sz="3600" dirty="0">
                 <a:latin typeface="Arial" panose="020B0604020202020204" pitchFamily="34" charset="0"/>
                 <a:cs typeface="Arial" panose="020B0604020202020204" pitchFamily="34" charset="0"/>
               </a:rPr>
               <a:t>, Yichao Wang</a:t>
             </a:r>
             <a:r>
-              <a:rPr lang="en-US" sz="2800" baseline="30000" dirty="0">
+              <a:rPr lang="en-US" sz="3600" baseline="30000" dirty="0">
                 <a:latin typeface="Arial" panose="020B0604020202020204" pitchFamily="34" charset="0"/>
                 <a:cs typeface="Arial" panose="020B0604020202020204" pitchFamily="34" charset="0"/>
               </a:rPr>
               <a:t>2</a:t>
             </a:r>
             <a:r>
-              <a:rPr lang="en-US" sz="2800" dirty="0">
+              <a:rPr lang="en-US" sz="3600" dirty="0">
                 <a:latin typeface="Arial" panose="020B0604020202020204" pitchFamily="34" charset="0"/>
                 <a:cs typeface="Arial" panose="020B0604020202020204" pitchFamily="34" charset="0"/>
               </a:rPr>
               <a:t>, Tim Xi</a:t>
             </a:r>
             <a:r>
-              <a:rPr lang="en-US" sz="2800" baseline="30000" dirty="0">
+              <a:rPr lang="en-US" sz="3600" baseline="30000" dirty="0">
                 <a:latin typeface="Arial" panose="020B0604020202020204" pitchFamily="34" charset="0"/>
                 <a:cs typeface="Arial" panose="020B0604020202020204" pitchFamily="34" charset="0"/>
               </a:rPr>
               <a:t>3</a:t>
             </a:r>
-            <a:endParaRPr lang="en-US" sz="2800" dirty="0">
+            <a:endParaRPr lang="en-US" sz="3600" dirty="0">
               <a:latin typeface="Arial" panose="020B0604020202020204" pitchFamily="34" charset="0"/>
               <a:cs typeface="Arial" panose="020B0604020202020204" pitchFamily="34" charset="0"/>
             </a:endParaRPr>
@@ -3626,8 +3626,8 @@
         </p:nvSpPr>
         <p:spPr>
           <a:xfrm>
-            <a:off x="10324254" y="2134642"/>
-            <a:ext cx="11904133" cy="338554"/>
+            <a:off x="10507134" y="2191792"/>
+            <a:ext cx="11904133" cy="369332"/>
           </a:xfrm>
           <a:prstGeom prst="rect">
             <a:avLst/>
@@ -3641,7 +3641,7 @@
           <a:lstStyle/>
           <a:p>
             <a:r>
-              <a:rPr lang="en-US" sz="1600" dirty="0">
+              <a:rPr lang="en-US" dirty="0">
                 <a:latin typeface="Arial" panose="020B0604020202020204" pitchFamily="34" charset="0"/>
                 <a:cs typeface="Arial" panose="020B0604020202020204" pitchFamily="34" charset="0"/>
               </a:rPr>
@@ -3664,10 +3664,10 @@
         </p:nvGrpSpPr>
         <p:grpSpPr>
           <a:xfrm>
-            <a:off x="12107568" y="5035551"/>
-            <a:ext cx="8665165" cy="5876288"/>
+            <a:off x="12107568" y="8083551"/>
+            <a:ext cx="8665165" cy="5904527"/>
             <a:chOff x="11731647" y="5175251"/>
-            <a:chExt cx="8665165" cy="5876288"/>
+            <a:chExt cx="8665165" cy="5904527"/>
           </a:xfrm>
         </p:grpSpPr>
         <p:grpSp>
@@ -3685,9 +3685,9 @@
           <p:grpSpPr>
             <a:xfrm>
               <a:off x="11731647" y="5175251"/>
-              <a:ext cx="8665165" cy="5876288"/>
+              <a:ext cx="8665165" cy="5904527"/>
               <a:chOff x="11731647" y="5175251"/>
-              <a:chExt cx="8665165" cy="5876288"/>
+              <a:chExt cx="8665165" cy="5904527"/>
             </a:xfrm>
           </p:grpSpPr>
           <p:grpSp>
@@ -4090,7 +4090,7 @@
             <p:spPr>
               <a:xfrm>
                 <a:off x="11731647" y="10710446"/>
-                <a:ext cx="4727553" cy="341093"/>
+                <a:ext cx="4727553" cy="369332"/>
               </a:xfrm>
               <a:prstGeom prst="rect">
                 <a:avLst/>
@@ -4103,7 +4103,7 @@
               <a:lstStyle/>
               <a:p>
                 <a:r>
-                  <a:rPr lang="en-US" sz="1600" i="1" dirty="0">
+                  <a:rPr lang="en-US" i="1" dirty="0">
                     <a:solidFill>
                       <a:schemeClr val="bg1"/>
                     </a:solidFill>
@@ -4112,13 +4112,6 @@
                   </a:rPr>
                   <a:t>Adapted from Figure 2, Szpak et al. (2013)</a:t>
                 </a:r>
-                <a:endParaRPr lang="en-US" i="1" dirty="0">
-                  <a:solidFill>
-                    <a:schemeClr val="bg1"/>
-                  </a:solidFill>
-                  <a:latin typeface="Times New Roman" panose="02020603050405020304" pitchFamily="18" charset="0"/>
-                  <a:cs typeface="Times New Roman" panose="02020603050405020304" pitchFamily="18" charset="0"/>
-                </a:endParaRPr>
               </a:p>
             </p:txBody>
           </p:sp>
@@ -4306,7 +4299,7 @@
         </p:nvGrpSpPr>
         <p:grpSpPr>
           <a:xfrm>
-            <a:off x="10570210" y="11110829"/>
+            <a:off x="10570210" y="14311229"/>
             <a:ext cx="13222319" cy="3428233"/>
             <a:chOff x="10570210" y="11301329"/>
             <a:chExt cx="13222319" cy="3428233"/>
@@ -4978,7 +4971,7 @@
         <p:spPr>
           <a:xfrm>
             <a:off x="335439" y="3560643"/>
-            <a:ext cx="6569710" cy="646331"/>
+            <a:ext cx="6569710" cy="738664"/>
           </a:xfrm>
           <a:prstGeom prst="rect">
             <a:avLst/>
@@ -4992,7 +4985,7 @@
           <a:lstStyle/>
           <a:p>
             <a:r>
-              <a:rPr lang="en-US" sz="3600" b="1" dirty="0">
+              <a:rPr lang="en-US" sz="4200" b="1" dirty="0">
                 <a:latin typeface="Arial" panose="020B0604020202020204" pitchFamily="34" charset="0"/>
                 <a:cs typeface="Arial" panose="020B0604020202020204" pitchFamily="34" charset="0"/>
               </a:rPr>
@@ -5015,8 +5008,8 @@
         </p:nvSpPr>
         <p:spPr>
           <a:xfrm>
-            <a:off x="300355" y="10758271"/>
-            <a:ext cx="6569710" cy="646331"/>
+            <a:off x="482220" y="9844268"/>
+            <a:ext cx="6569710" cy="738664"/>
           </a:xfrm>
           <a:prstGeom prst="rect">
             <a:avLst/>
@@ -5030,7 +5023,7 @@
           <a:lstStyle/>
           <a:p>
             <a:r>
-              <a:rPr lang="en-US" sz="3600" b="1" dirty="0">
+              <a:rPr lang="en-US" sz="4200" b="1" dirty="0">
                 <a:latin typeface="Arial" panose="020B0604020202020204" pitchFamily="34" charset="0"/>
                 <a:cs typeface="Arial" panose="020B0604020202020204" pitchFamily="34" charset="0"/>
               </a:rPr>
@@ -5054,7 +5047,7 @@
         <p:spPr>
           <a:xfrm>
             <a:off x="23797896" y="3535242"/>
-            <a:ext cx="6569710" cy="646331"/>
+            <a:ext cx="6569710" cy="738664"/>
           </a:xfrm>
           <a:prstGeom prst="rect">
             <a:avLst/>
@@ -5068,11 +5061,11 @@
           <a:lstStyle/>
           <a:p>
             <a:r>
-              <a:rPr lang="en-US" sz="3600" b="1" dirty="0">
+              <a:rPr lang="en-US" sz="4200" b="1" dirty="0">
                 <a:latin typeface="Arial" panose="020B0604020202020204" pitchFamily="34" charset="0"/>
                 <a:cs typeface="Arial" panose="020B0604020202020204" pitchFamily="34" charset="0"/>
               </a:rPr>
-              <a:t>Results</a:t>
+              <a:t>Results &amp; Conclusions</a:t>
             </a:r>
           </a:p>
         </p:txBody>
@@ -5091,7 +5084,7 @@
         </p:nvSpPr>
         <p:spPr>
           <a:xfrm>
-            <a:off x="9858374" y="17373941"/>
+            <a:off x="9868852" y="3081077"/>
             <a:ext cx="13180697" cy="3764994"/>
           </a:xfrm>
           <a:prstGeom prst="rect">
@@ -5145,8 +5138,8 @@
         </p:nvSpPr>
         <p:spPr>
           <a:xfrm>
-            <a:off x="9905596" y="17441449"/>
-            <a:ext cx="6569710" cy="646331"/>
+            <a:off x="13758142" y="3145014"/>
+            <a:ext cx="5402117" cy="738664"/>
           </a:xfrm>
           <a:prstGeom prst="rect">
             <a:avLst/>
@@ -5160,11 +5153,11 @@
           <a:lstStyle/>
           <a:p>
             <a:r>
-              <a:rPr lang="en-US" sz="3600" b="1" dirty="0">
+              <a:rPr lang="en-US" sz="4200" b="1" dirty="0">
                 <a:latin typeface="Arial" panose="020B0604020202020204" pitchFamily="34" charset="0"/>
                 <a:cs typeface="Arial" panose="020B0604020202020204" pitchFamily="34" charset="0"/>
               </a:rPr>
-              <a:t>Conclusions</a:t>
+              <a:t>Research Questions</a:t>
             </a:r>
           </a:p>
         </p:txBody>
@@ -5183,8 +5176,8 @@
         </p:nvSpPr>
         <p:spPr>
           <a:xfrm>
-            <a:off x="12160907" y="4235651"/>
-            <a:ext cx="8596586" cy="646331"/>
+            <a:off x="11503354" y="7207451"/>
+            <a:ext cx="9911693" cy="738664"/>
           </a:xfrm>
           <a:prstGeom prst="rect">
             <a:avLst/>
@@ -5198,7 +5191,7 @@
           <a:lstStyle/>
           <a:p>
             <a:r>
-              <a:rPr lang="en-US" sz="3600" b="1" dirty="0">
+              <a:rPr lang="en-US" sz="4200" b="1" dirty="0">
                 <a:latin typeface="Arial" panose="020B0604020202020204" pitchFamily="34" charset="0"/>
                 <a:cs typeface="Arial" panose="020B0604020202020204" pitchFamily="34" charset="0"/>
               </a:rPr>
@@ -5221,7 +5214,7 @@
         </p:nvSpPr>
         <p:spPr>
           <a:xfrm>
-            <a:off x="9858374" y="14989714"/>
+            <a:off x="9915797" y="18342023"/>
             <a:ext cx="10338437" cy="646331"/>
           </a:xfrm>
           <a:prstGeom prst="rect">
@@ -5284,8 +5277,8 @@
         </p:nvSpPr>
         <p:spPr>
           <a:xfrm>
-            <a:off x="449916" y="4208363"/>
-            <a:ext cx="8665994" cy="6155531"/>
+            <a:off x="482220" y="4227951"/>
+            <a:ext cx="8665994" cy="5201424"/>
           </a:xfrm>
           <a:prstGeom prst="rect">
             <a:avLst/>
@@ -5298,21 +5291,21 @@
           <a:lstStyle/>
           <a:p>
             <a:r>
-              <a:rPr lang="en-US" sz="2000" dirty="0">
+              <a:rPr lang="en-US" sz="2400" dirty="0">
                 <a:latin typeface="Arial" panose="020B0604020202020204" pitchFamily="34" charset="0"/>
                 <a:cs typeface="Arial" panose="020B0604020202020204" pitchFamily="34" charset="0"/>
               </a:rPr>
               <a:t>Kelp forests are highly diverse, productive ecosystems (</a:t>
             </a:r>
             <a:r>
-              <a:rPr lang="en-US" sz="2000" i="1" dirty="0">
+              <a:rPr lang="en-US" sz="2400" i="1" dirty="0">
                 <a:latin typeface="Arial" panose="020B0604020202020204" pitchFamily="34" charset="0"/>
                 <a:cs typeface="Arial" panose="020B0604020202020204" pitchFamily="34" charset="0"/>
               </a:rPr>
               <a:t>1</a:t>
             </a:r>
             <a:r>
-              <a:rPr lang="en-US" sz="2000" dirty="0">
+              <a:rPr lang="en-US" sz="2400" dirty="0">
                 <a:latin typeface="Arial" panose="020B0604020202020204" pitchFamily="34" charset="0"/>
                 <a:cs typeface="Arial" panose="020B0604020202020204" pitchFamily="34" charset="0"/>
               </a:rPr>
@@ -5325,7 +5318,7 @@
               <a:buChar char="-"/>
             </a:pPr>
             <a:r>
-              <a:rPr lang="en-US" sz="2000" dirty="0">
+              <a:rPr lang="en-US" sz="2400" dirty="0">
                 <a:latin typeface="Arial" panose="020B0604020202020204" pitchFamily="34" charset="0"/>
                 <a:cs typeface="Arial" panose="020B0604020202020204" pitchFamily="34" charset="0"/>
               </a:rPr>
@@ -5338,7 +5331,7 @@
               <a:buChar char="-"/>
             </a:pPr>
             <a:r>
-              <a:rPr lang="en-US" sz="2000" dirty="0">
+              <a:rPr lang="en-US" sz="2400" dirty="0">
                 <a:latin typeface="Arial" panose="020B0604020202020204" pitchFamily="34" charset="0"/>
                 <a:cs typeface="Arial" panose="020B0604020202020204" pitchFamily="34" charset="0"/>
               </a:rPr>
@@ -5346,109 +5339,96 @@
             </a:r>
           </a:p>
           <a:p>
-            <a:pPr marL="285750" indent="-285750">
-              <a:buFontTx/>
-              <a:buChar char="-"/>
-            </a:pPr>
-            <a:r>
-              <a:rPr lang="en-US" sz="2000" dirty="0">
-                <a:latin typeface="Arial" panose="020B0604020202020204" pitchFamily="34" charset="0"/>
-                <a:cs typeface="Arial" panose="020B0604020202020204" pitchFamily="34" charset="0"/>
-              </a:rPr>
-              <a:t>Sequester carbon, slowing climate change</a:t>
-            </a:r>
-          </a:p>
-          <a:p>
             <a:br>
-              <a:rPr lang="en-US" sz="2000" dirty="0">
+              <a:rPr lang="en-US" sz="2400" dirty="0">
                 <a:latin typeface="Arial" panose="020B0604020202020204" pitchFamily="34" charset="0"/>
                 <a:cs typeface="Arial" panose="020B0604020202020204" pitchFamily="34" charset="0"/>
               </a:rPr>
             </a:br>
             <a:r>
-              <a:rPr lang="en-US" sz="2000" dirty="0">
+              <a:rPr lang="en-US" sz="2400" dirty="0">
                 <a:latin typeface="Arial" panose="020B0604020202020204" pitchFamily="34" charset="0"/>
                 <a:cs typeface="Arial" panose="020B0604020202020204" pitchFamily="34" charset="0"/>
               </a:rPr>
-              <a:t>Kelp forest ecosystems are in decline around the world due to a combination of climate change, water pollution, and other anthropogenic stressors </a:t>
-            </a:r>
-            <a:r>
-              <a:rPr lang="en-US" sz="2000" i="1" dirty="0">
+              <a:t>Kelp forest ecosystems are in decline due to climate change, water pollution, and other anthropogenic stressors </a:t>
+            </a:r>
+            <a:r>
+              <a:rPr lang="en-US" sz="2400" i="1" dirty="0">
                 <a:latin typeface="Arial" panose="020B0604020202020204" pitchFamily="34" charset="0"/>
                 <a:cs typeface="Arial" panose="020B0604020202020204" pitchFamily="34" charset="0"/>
               </a:rPr>
               <a:t>(1,2</a:t>
             </a:r>
             <a:r>
-              <a:rPr lang="en-US" sz="2000" dirty="0">
+              <a:rPr lang="en-US" sz="2400" dirty="0">
                 <a:latin typeface="Arial" panose="020B0604020202020204" pitchFamily="34" charset="0"/>
                 <a:cs typeface="Arial" panose="020B0604020202020204" pitchFamily="34" charset="0"/>
               </a:rPr>
               <a:t>)</a:t>
             </a:r>
             <a:r>
-              <a:rPr lang="en-US" sz="2000" i="1" dirty="0">
+              <a:rPr lang="en-US" sz="2400" i="1" dirty="0">
                 <a:latin typeface="Arial" panose="020B0604020202020204" pitchFamily="34" charset="0"/>
                 <a:cs typeface="Arial" panose="020B0604020202020204" pitchFamily="34" charset="0"/>
               </a:rPr>
               <a:t>.</a:t>
             </a:r>
             <a:br>
-              <a:rPr lang="en-US" sz="2000" dirty="0">
+              <a:rPr lang="en-US" sz="2400" dirty="0">
                 <a:latin typeface="Arial" panose="020B0604020202020204" pitchFamily="34" charset="0"/>
                 <a:cs typeface="Arial" panose="020B0604020202020204" pitchFamily="34" charset="0"/>
               </a:rPr>
             </a:br>
             <a:br>
-              <a:rPr lang="en-US" sz="2000" dirty="0">
+              <a:rPr lang="en-US" sz="2400" dirty="0">
                 <a:latin typeface="Arial" panose="020B0604020202020204" pitchFamily="34" charset="0"/>
                 <a:cs typeface="Arial" panose="020B0604020202020204" pitchFamily="34" charset="0"/>
               </a:rPr>
             </a:br>
             <a:r>
-              <a:rPr lang="en-US" sz="2000" dirty="0">
+              <a:rPr lang="en-US" sz="2400" dirty="0">
                 <a:latin typeface="Arial" panose="020B0604020202020204" pitchFamily="34" charset="0"/>
                 <a:cs typeface="Arial" panose="020B0604020202020204" pitchFamily="34" charset="0"/>
               </a:rPr>
-              <a:t>To understand what environmental conditions contribute to healthy kelp forests, we turn to the Santa Barbara Coastal Long-term Ecological Monitoring Network </a:t>
-            </a:r>
-            <a:r>
-              <a:rPr lang="en-US" sz="2000" i="1" dirty="0">
+              <a:t>To understand what conditions support healthy kelp forests, we turn to the Santa Barbara Coastal Long-term Ecological Monitoring Network </a:t>
+            </a:r>
+            <a:r>
+              <a:rPr lang="en-US" sz="2400" i="1" dirty="0">
                 <a:latin typeface="Arial" panose="020B0604020202020204" pitchFamily="34" charset="0"/>
                 <a:cs typeface="Arial" panose="020B0604020202020204" pitchFamily="34" charset="0"/>
               </a:rPr>
               <a:t>(3</a:t>
             </a:r>
             <a:r>
-              <a:rPr lang="en-US" sz="2000" dirty="0">
+              <a:rPr lang="en-US" sz="2400" dirty="0">
                 <a:latin typeface="Arial" panose="020B0604020202020204" pitchFamily="34" charset="0"/>
                 <a:cs typeface="Arial" panose="020B0604020202020204" pitchFamily="34" charset="0"/>
               </a:rPr>
               <a:t>)</a:t>
             </a:r>
             <a:r>
-              <a:rPr lang="en-US" sz="2000" i="1" dirty="0">
+              <a:rPr lang="en-US" sz="2400" i="1" dirty="0">
                 <a:latin typeface="Arial" panose="020B0604020202020204" pitchFamily="34" charset="0"/>
                 <a:cs typeface="Arial" panose="020B0604020202020204" pitchFamily="34" charset="0"/>
               </a:rPr>
               <a:t>.</a:t>
             </a:r>
             <a:r>
-              <a:rPr lang="en-US" sz="2000" dirty="0">
+              <a:rPr lang="en-US" sz="2400" dirty="0">
                 <a:latin typeface="Arial" panose="020B0604020202020204" pitchFamily="34" charset="0"/>
                 <a:cs typeface="Arial" panose="020B0604020202020204" pitchFamily="34" charset="0"/>
               </a:rPr>
               <a:t> Long-term monitoring data are critical for understanding complex ecological processes and long-term change (</a:t>
             </a:r>
             <a:r>
-              <a:rPr lang="en-US" sz="2000" i="1" dirty="0">
+              <a:rPr lang="en-US" sz="2400" i="1" dirty="0">
                 <a:latin typeface="Arial" panose="020B0604020202020204" pitchFamily="34" charset="0"/>
                 <a:cs typeface="Arial" panose="020B0604020202020204" pitchFamily="34" charset="0"/>
               </a:rPr>
               <a:t>4</a:t>
             </a:r>
             <a:r>
-              <a:rPr lang="en-US" sz="2000" dirty="0">
+              <a:rPr lang="en-US" sz="2400" dirty="0">
                 <a:latin typeface="Arial" panose="020B0604020202020204" pitchFamily="34" charset="0"/>
                 <a:cs typeface="Arial" panose="020B0604020202020204" pitchFamily="34" charset="0"/>
               </a:rPr>
@@ -5460,99 +5440,6 @@
               <a:latin typeface="Arial" panose="020B0604020202020204" pitchFamily="34" charset="0"/>
               <a:cs typeface="Arial" panose="020B0604020202020204" pitchFamily="34" charset="0"/>
             </a:endParaRPr>
-          </a:p>
-          <a:p>
-            <a:pPr algn="ctr"/>
-            <a:r>
-              <a:rPr lang="en-US" sz="2400" b="1" dirty="0">
-                <a:latin typeface="Arial" panose="020B0604020202020204" pitchFamily="34" charset="0"/>
-                <a:cs typeface="Arial" panose="020B0604020202020204" pitchFamily="34" charset="0"/>
-              </a:rPr>
-              <a:t>Research Questions</a:t>
-            </a:r>
-          </a:p>
-          <a:p>
-            <a:pPr marL="342900" indent="-342900">
-              <a:spcAft>
-                <a:spcPts val="1200"/>
-              </a:spcAft>
-              <a:buAutoNum type="arabicPeriod"/>
-            </a:pPr>
-            <a:r>
-              <a:rPr lang="en-US" sz="2000" dirty="0">
-                <a:latin typeface="Arial" panose="020B0604020202020204" pitchFamily="34" charset="0"/>
-                <a:cs typeface="Arial" panose="020B0604020202020204" pitchFamily="34" charset="0"/>
-              </a:rPr>
-              <a:t>What is the relationship between </a:t>
-            </a:r>
-            <a:r>
-              <a:rPr lang="en-US" sz="2000" b="1" dirty="0">
-                <a:latin typeface="Arial" panose="020B0604020202020204" pitchFamily="34" charset="0"/>
-                <a:cs typeface="Arial" panose="020B0604020202020204" pitchFamily="34" charset="0"/>
-              </a:rPr>
-              <a:t>giant kelp (</a:t>
-            </a:r>
-            <a:r>
-              <a:rPr lang="en-US" sz="2000" b="1" i="1" dirty="0" err="1">
-                <a:latin typeface="Arial" panose="020B0604020202020204" pitchFamily="34" charset="0"/>
-                <a:cs typeface="Arial" panose="020B0604020202020204" pitchFamily="34" charset="0"/>
-              </a:rPr>
-              <a:t>Macrocystis</a:t>
-            </a:r>
-            <a:r>
-              <a:rPr lang="en-US" sz="2000" b="1" i="1" dirty="0">
-                <a:latin typeface="Arial" panose="020B0604020202020204" pitchFamily="34" charset="0"/>
-                <a:cs typeface="Arial" panose="020B0604020202020204" pitchFamily="34" charset="0"/>
-              </a:rPr>
-              <a:t> </a:t>
-            </a:r>
-            <a:r>
-              <a:rPr lang="en-US" sz="2000" b="1" i="1" dirty="0" err="1">
-                <a:latin typeface="Arial" panose="020B0604020202020204" pitchFamily="34" charset="0"/>
-                <a:cs typeface="Arial" panose="020B0604020202020204" pitchFamily="34" charset="0"/>
-              </a:rPr>
-              <a:t>pyrifera</a:t>
-            </a:r>
-            <a:r>
-              <a:rPr lang="en-US" sz="2000" b="1" dirty="0">
-                <a:latin typeface="Arial" panose="020B0604020202020204" pitchFamily="34" charset="0"/>
-                <a:cs typeface="Arial" panose="020B0604020202020204" pitchFamily="34" charset="0"/>
-              </a:rPr>
-              <a:t>) abundance / size </a:t>
-            </a:r>
-            <a:r>
-              <a:rPr lang="en-US" sz="2000" dirty="0">
-                <a:latin typeface="Arial" panose="020B0604020202020204" pitchFamily="34" charset="0"/>
-                <a:cs typeface="Arial" panose="020B0604020202020204" pitchFamily="34" charset="0"/>
-              </a:rPr>
-              <a:t>and oceanographic and herbivory conditions? </a:t>
-            </a:r>
-          </a:p>
-          <a:p>
-            <a:pPr marL="342900" indent="-342900">
-              <a:buAutoNum type="arabicPeriod"/>
-            </a:pPr>
-            <a:r>
-              <a:rPr lang="en-US" sz="2000" dirty="0">
-                <a:latin typeface="Arial" panose="020B0604020202020204" pitchFamily="34" charset="0"/>
-                <a:cs typeface="Arial" panose="020B0604020202020204" pitchFamily="34" charset="0"/>
-              </a:rPr>
-              <a:t>What is the relationship between </a:t>
-            </a:r>
-            <a:r>
-              <a:rPr lang="en-US" sz="2000" b="1" dirty="0">
-                <a:latin typeface="Arial" panose="020B0604020202020204" pitchFamily="34" charset="0"/>
-                <a:cs typeface="Arial" panose="020B0604020202020204" pitchFamily="34" charset="0"/>
-              </a:rPr>
-              <a:t>biodiversity</a:t>
-            </a:r>
-            <a:r>
-              <a:rPr lang="en-US" sz="2000" dirty="0">
-                <a:latin typeface="Arial" panose="020B0604020202020204" pitchFamily="34" charset="0"/>
-                <a:cs typeface="Arial" panose="020B0604020202020204" pitchFamily="34" charset="0"/>
-              </a:rPr>
-              <a:t> and oceanographic and habitat conditions?</a:t>
-            </a:r>
           </a:p>
         </p:txBody>
       </p:sp>
@@ -5730,8 +5617,8 @@
         </p:nvSpPr>
         <p:spPr>
           <a:xfrm>
-            <a:off x="10012889" y="18234706"/>
-            <a:ext cx="13026182" cy="1631216"/>
+            <a:off x="10054776" y="4071245"/>
+            <a:ext cx="12947826" cy="3539430"/>
           </a:xfrm>
           <a:prstGeom prst="rect">
             <a:avLst/>
@@ -5743,18 +5630,78 @@
           </a:bodyPr>
           <a:lstStyle/>
           <a:p>
-            <a:r>
-              <a:rPr lang="en-US" sz="2000" dirty="0">
+            <a:pPr marL="457200" indent="-457200">
+              <a:buAutoNum type="arabicPeriod"/>
+            </a:pPr>
+            <a:r>
+              <a:rPr lang="en-US" sz="3200" dirty="0">
                 <a:solidFill>
                   <a:srgbClr val="000000"/>
                 </a:solidFill>
                 <a:latin typeface="Arial" panose="020B0604020202020204" pitchFamily="34" charset="0"/>
               </a:rPr>
-              <a:t>To deal with variation and noise, long-term ecological monitoring data sets need high spatial and temporal coverage: this data set could start with finer temporal coverage for biological data (spring / fall surveys), and greater spatial coverage for water chemistry data (all sites with biological data).</a:t>
-            </a:r>
-          </a:p>
-          <a:p>
-            <a:endParaRPr lang="en-US" sz="2000" dirty="0">
+              <a:t>What is the relationship between </a:t>
+            </a:r>
+            <a:r>
+              <a:rPr lang="en-US" sz="3200" b="1" dirty="0">
+                <a:solidFill>
+                  <a:srgbClr val="000000"/>
+                </a:solidFill>
+                <a:latin typeface="Arial" panose="020B0604020202020204" pitchFamily="34" charset="0"/>
+              </a:rPr>
+              <a:t>giant kelp (</a:t>
+            </a:r>
+            <a:r>
+              <a:rPr lang="en-US" sz="3200" b="1" i="1" dirty="0" err="1">
+                <a:solidFill>
+                  <a:srgbClr val="000000"/>
+                </a:solidFill>
+                <a:latin typeface="Arial" panose="020B0604020202020204" pitchFamily="34" charset="0"/>
+              </a:rPr>
+              <a:t>Macrocystis</a:t>
+            </a:r>
+            <a:r>
+              <a:rPr lang="en-US" sz="3200" b="1" i="1" dirty="0">
+                <a:solidFill>
+                  <a:srgbClr val="000000"/>
+                </a:solidFill>
+                <a:latin typeface="Arial" panose="020B0604020202020204" pitchFamily="34" charset="0"/>
+              </a:rPr>
+              <a:t> </a:t>
+            </a:r>
+            <a:r>
+              <a:rPr lang="en-US" sz="3200" b="1" i="1" dirty="0" err="1">
+                <a:solidFill>
+                  <a:srgbClr val="000000"/>
+                </a:solidFill>
+                <a:latin typeface="Arial" panose="020B0604020202020204" pitchFamily="34" charset="0"/>
+              </a:rPr>
+              <a:t>pyrifera</a:t>
+            </a:r>
+            <a:r>
+              <a:rPr lang="en-US" sz="3200" b="1" dirty="0">
+                <a:solidFill>
+                  <a:srgbClr val="000000"/>
+                </a:solidFill>
+                <a:latin typeface="Arial" panose="020B0604020202020204" pitchFamily="34" charset="0"/>
+              </a:rPr>
+              <a:t>) abundance / size </a:t>
+            </a:r>
+            <a:r>
+              <a:rPr lang="en-US" sz="3200" dirty="0">
+                <a:solidFill>
+                  <a:srgbClr val="000000"/>
+                </a:solidFill>
+                <a:latin typeface="Arial" panose="020B0604020202020204" pitchFamily="34" charset="0"/>
+              </a:rPr>
+              <a:t>and oceanographic and herbivory conditions?</a:t>
+            </a:r>
+          </a:p>
+          <a:p>
+            <a:pPr marL="457200" indent="-457200">
+              <a:buAutoNum type="arabicPeriod"/>
+            </a:pPr>
+            <a:endParaRPr lang="en-US" sz="3200" dirty="0">
               <a:solidFill>
                 <a:srgbClr val="000000"/>
               </a:solidFill>
@@ -5762,10 +5709,85 @@
             </a:endParaRPr>
           </a:p>
           <a:p>
-            <a:endParaRPr lang="en-US" sz="2000" dirty="0"/>
-          </a:p>
-        </p:txBody>
-      </p:sp>
+            <a:pPr marL="457200" indent="-457200">
+              <a:buAutoNum type="arabicPeriod"/>
+            </a:pPr>
+            <a:r>
+              <a:rPr lang="en-US" sz="3200" dirty="0">
+                <a:solidFill>
+                  <a:srgbClr val="000000"/>
+                </a:solidFill>
+                <a:latin typeface="Arial" panose="020B0604020202020204" pitchFamily="34" charset="0"/>
+              </a:rPr>
+              <a:t>What is the relationship between </a:t>
+            </a:r>
+            <a:r>
+              <a:rPr lang="en-US" sz="3200" b="1" dirty="0">
+                <a:solidFill>
+                  <a:srgbClr val="000000"/>
+                </a:solidFill>
+                <a:latin typeface="Arial" panose="020B0604020202020204" pitchFamily="34" charset="0"/>
+              </a:rPr>
+              <a:t>biodiversity </a:t>
+            </a:r>
+            <a:r>
+              <a:rPr lang="en-US" sz="3200" dirty="0">
+                <a:solidFill>
+                  <a:srgbClr val="000000"/>
+                </a:solidFill>
+                <a:latin typeface="Arial" panose="020B0604020202020204" pitchFamily="34" charset="0"/>
+              </a:rPr>
+              <a:t>and oceanographic and habitat conditions?</a:t>
+            </a:r>
+          </a:p>
+          <a:p>
+            <a:endParaRPr lang="en-US" sz="3200" dirty="0">
+              <a:solidFill>
+                <a:srgbClr val="000000"/>
+              </a:solidFill>
+              <a:latin typeface="Arial" panose="020B0604020202020204" pitchFamily="34" charset="0"/>
+            </a:endParaRPr>
+          </a:p>
+          <a:p>
+            <a:endParaRPr lang="en-US" sz="3200" dirty="0"/>
+          </a:p>
+        </p:txBody>
+      </p:sp>
+      <p:pic>
+        <p:nvPicPr>
+          <p:cNvPr id="22" name="Picture 21" descr="A screenshot of a cell phone&#10;&#10;Description automatically generated">
+            <a:extLst>
+              <a:ext uri="{FF2B5EF4-FFF2-40B4-BE49-F238E27FC236}">
+                <a16:creationId xmlns:a16="http://schemas.microsoft.com/office/drawing/2014/main" id="{CD348226-45FD-48DC-A302-2253816C54DB}"/>
+              </a:ext>
+            </a:extLst>
+          </p:cNvPr>
+          <p:cNvPicPr>
+            <a:picLocks noChangeAspect="1"/>
+          </p:cNvPicPr>
+          <p:nvPr/>
+        </p:nvPicPr>
+        <p:blipFill rotWithShape="1">
+          <a:blip r:embed="rId4">
+            <a:extLst>
+              <a:ext uri="{28A0092B-C50C-407E-A947-70E740481C1C}">
+                <a14:useLocalDpi xmlns:a14="http://schemas.microsoft.com/office/drawing/2010/main" val="0"/>
+              </a:ext>
+            </a:extLst>
+          </a:blip>
+          <a:srcRect t="31920" b="32048"/>
+          <a:stretch/>
+        </p:blipFill>
+        <p:spPr>
+          <a:xfrm>
+            <a:off x="5197275" y="11240161"/>
+            <a:ext cx="3709309" cy="1670658"/>
+          </a:xfrm>
+          <a:prstGeom prst="rect">
+            <a:avLst/>
+          </a:prstGeom>
+        </p:spPr>
+      </p:pic>
     </p:spTree>
     <p:extLst>
       <p:ext uri="{BB962C8B-B14F-4D97-AF65-F5344CB8AC3E}">
